--- a/PlatformPlanning.pptx
+++ b/PlatformPlanning.pptx
@@ -8481,6 +8481,13 @@
   <p:clrMapOvr>
     <a:masterClrMapping/>
   </p:clrMapOvr>
+  <p:timing>
+    <p:tnLst>
+      <p:par>
+        <p:cTn xmlns:p14="http://schemas.microsoft.com/office/powerpoint/2010/main" id="1" dur="indefinite" restart="never" nodeType="tmRoot"/>
+      </p:par>
+    </p:tnLst>
+  </p:timing>
 </p:sld>
 </file>
 
@@ -8571,6 +8578,13 @@
   <p:clrMapOvr>
     <a:masterClrMapping/>
   </p:clrMapOvr>
+  <p:timing>
+    <p:tnLst>
+      <p:par>
+        <p:cTn xmlns:p14="http://schemas.microsoft.com/office/powerpoint/2010/main" id="1" dur="indefinite" restart="never" nodeType="tmRoot"/>
+      </p:par>
+    </p:tnLst>
+  </p:timing>
 </p:sld>
 </file>
 
@@ -8702,6 +8716,13 @@
   <p:clrMapOvr>
     <a:masterClrMapping/>
   </p:clrMapOvr>
+  <p:timing>
+    <p:tnLst>
+      <p:par>
+        <p:cTn xmlns:p14="http://schemas.microsoft.com/office/powerpoint/2010/main" id="1" dur="indefinite" restart="never" nodeType="tmRoot"/>
+      </p:par>
+    </p:tnLst>
+  </p:timing>
 </p:sld>
 </file>
 
@@ -8792,6 +8813,13 @@
   <p:clrMapOvr>
     <a:masterClrMapping/>
   </p:clrMapOvr>
+  <p:timing>
+    <p:tnLst>
+      <p:par>
+        <p:cTn xmlns:p14="http://schemas.microsoft.com/office/powerpoint/2010/main" id="1" dur="indefinite" restart="never" nodeType="tmRoot"/>
+      </p:par>
+    </p:tnLst>
+  </p:timing>
 </p:sld>
 </file>
 
@@ -8879,6 +8907,13 @@
   <p:clrMapOvr>
     <a:masterClrMapping/>
   </p:clrMapOvr>
+  <p:timing>
+    <p:tnLst>
+      <p:par>
+        <p:cTn xmlns:p14="http://schemas.microsoft.com/office/powerpoint/2010/main" id="1" dur="indefinite" restart="never" nodeType="tmRoot"/>
+      </p:par>
+    </p:tnLst>
+  </p:timing>
 </p:sld>
 </file>
 
@@ -8916,7 +8951,11 @@
           <a:p>
             <a:r>
               <a:rPr lang="en-US" dirty="0" smtClean="0"/>
-              <a:t>Dark Sky</a:t>
+              <a:t>Demo: Dark </a:t>
+            </a:r>
+            <a:r>
+              <a:rPr lang="en-US" dirty="0" smtClean="0"/>
+              <a:t>Sky</a:t>
             </a:r>
             <a:endParaRPr lang="en-US" dirty="0"/>
           </a:p>
@@ -9074,6 +9113,13 @@
   <p:clrMapOvr>
     <a:masterClrMapping/>
   </p:clrMapOvr>
+  <p:timing>
+    <p:tnLst>
+      <p:par>
+        <p:cTn xmlns:p14="http://schemas.microsoft.com/office/powerpoint/2010/main" id="1" dur="indefinite" restart="never" nodeType="tmRoot"/>
+      </p:par>
+    </p:tnLst>
+  </p:timing>
 </p:sld>
 </file>
 
@@ -9162,6 +9208,13 @@
   <p:clrMapOvr>
     <a:masterClrMapping/>
   </p:clrMapOvr>
+  <p:timing>
+    <p:tnLst>
+      <p:par>
+        <p:cTn xmlns:p14="http://schemas.microsoft.com/office/powerpoint/2010/main" id="1" dur="indefinite" restart="never" nodeType="tmRoot"/>
+      </p:par>
+    </p:tnLst>
+  </p:timing>
 </p:sld>
 </file>
 
